--- a/Team Project 验收/TeamProject验收.pptx
+++ b/Team Project 验收/TeamProject验收.pptx
@@ -5,7 +5,7 @@
     <p:sldMasterId id="2147483648" r:id="rId1"/>
   </p:sldMasterIdLst>
   <p:notesMasterIdLst>
-    <p:notesMasterId r:id="rId15"/>
+    <p:notesMasterId r:id="rId16"/>
   </p:notesMasterIdLst>
   <p:sldIdLst>
     <p:sldId id="257" r:id="rId2"/>
@@ -16,16 +16,17 @@
     <p:sldId id="276" r:id="rId7"/>
     <p:sldId id="272" r:id="rId8"/>
     <p:sldId id="265" r:id="rId9"/>
-    <p:sldId id="266" r:id="rId10"/>
-    <p:sldId id="277" r:id="rId11"/>
-    <p:sldId id="273" r:id="rId12"/>
-    <p:sldId id="267" r:id="rId13"/>
-    <p:sldId id="270" r:id="rId14"/>
+    <p:sldId id="278" r:id="rId10"/>
+    <p:sldId id="266" r:id="rId11"/>
+    <p:sldId id="277" r:id="rId12"/>
+    <p:sldId id="273" r:id="rId13"/>
+    <p:sldId id="267" r:id="rId14"/>
+    <p:sldId id="270" r:id="rId15"/>
   </p:sldIdLst>
   <p:sldSz cx="12192000" cy="6858000"/>
   <p:notesSz cx="6858000" cy="9144000"/>
   <p:custDataLst>
-    <p:tags r:id="rId16"/>
+    <p:tags r:id="rId17"/>
   </p:custDataLst>
   <p:defaultTextStyle>
     <a:defPPr>
@@ -135,6 +136,7 @@
             <p14:sldId id="276"/>
             <p14:sldId id="272"/>
             <p14:sldId id="265"/>
+            <p14:sldId id="278"/>
             <p14:sldId id="266"/>
             <p14:sldId id="277"/>
             <p14:sldId id="273"/>
@@ -4413,8 +4415,8 @@
         </p:nvSpPr>
         <p:spPr>
           <a:xfrm>
-            <a:off x="982800" y="145897"/>
-            <a:ext cx="9369360" cy="698204"/>
+            <a:off x="982800" y="105991"/>
+            <a:ext cx="9369360" cy="778017"/>
           </a:xfrm>
           <a:prstGeom prst="rect">
             <a:avLst/>
@@ -4452,104 +4454,390 @@
               </a:lnSpc>
             </a:pPr>
             <a:r>
-              <a:rPr lang="zh-CN" altLang="en-US" sz="3000" b="1" i="0" dirty="0">
+              <a:rPr sz="3000" b="1" i="0" dirty="0" err="1">
                 <a:solidFill>
                   <a:srgbClr val="FFFFFF"/>
                 </a:solidFill>
                 <a:latin typeface="微软雅黑"/>
               </a:rPr>
-              <a:t>性能测试：</a:t>
-            </a:r>
-            <a:r>
-              <a:rPr lang="en-US" altLang="zh-CN" sz="3000" b="1" i="0" dirty="0">
+              <a:t>性能测试：JMeter</a:t>
+            </a:r>
+            <a:endParaRPr sz="3000" b="1" i="0" dirty="0">
+              <a:solidFill>
+                <a:srgbClr val="FFFFFF"/>
+              </a:solidFill>
+              <a:latin typeface="微软雅黑"/>
+            </a:endParaRPr>
+          </a:p>
+        </p:txBody>
+      </p:sp>
+      <p:sp>
+        <p:nvSpPr>
+          <p:cNvPr id="4" name="New shape"/>
+          <p:cNvSpPr/>
+          <p:nvPr/>
+        </p:nvSpPr>
+        <p:spPr>
+          <a:xfrm>
+            <a:off x="1558800" y="2402271"/>
+            <a:ext cx="2744215" cy="2253962"/>
+          </a:xfrm>
+          <a:prstGeom prst="rect">
+            <a:avLst/>
+          </a:prstGeom>
+          <a:noFill/>
+          <a:ln>
+            <a:noFill/>
+          </a:ln>
+        </p:spPr>
+        <p:style>
+          <a:lnRef idx="2">
+            <a:schemeClr val="accent1">
+              <a:shade val="50000"/>
+            </a:schemeClr>
+          </a:lnRef>
+          <a:fillRef idx="1">
+            <a:schemeClr val="accent1"/>
+          </a:fillRef>
+          <a:effectRef idx="0">
+            <a:schemeClr val="accent1"/>
+          </a:effectRef>
+          <a:fontRef idx="minor">
+            <a:schemeClr val="lt1"/>
+          </a:fontRef>
+        </p:style>
+        <p:txBody>
+          <a:bodyPr rtlCol="0" anchor="ctr">
+            <a:spAutoFit/>
+          </a:bodyPr>
+          <a:lstStyle/>
+          <a:p>
+            <a:pPr algn="l">
+              <a:lnSpc>
+                <a:spcPct val="150000"/>
+              </a:lnSpc>
+            </a:pPr>
+            <a:r>
+              <a:rPr sz="1575" b="0" i="0">
                 <a:solidFill>
                   <a:srgbClr val="FFFFFF"/>
                 </a:solidFill>
                 <a:latin typeface="微软雅黑"/>
               </a:rPr>
-              <a:t>JMeter</a:t>
-            </a:r>
-          </a:p>
-        </p:txBody>
-      </p:sp>
-      <p:pic>
-        <p:nvPicPr>
-          <p:cNvPr id="17" name="图片 16">
-            <a:extLst>
-              <a:ext uri="{FF2B5EF4-FFF2-40B4-BE49-F238E27FC236}">
-                <a16:creationId xmlns:a16="http://schemas.microsoft.com/office/drawing/2014/main" id="{ECAE8E78-F09A-B72B-081D-9EC0DAF6D411}"/>
-              </a:ext>
-            </a:extLst>
-          </p:cNvPr>
-          <p:cNvPicPr>
-            <a:picLocks noChangeAspect="1"/>
-          </p:cNvPicPr>
+              <a:t>JMeter是一款开源的性能测试工具，由Apache软件基金会开发。它能够模拟大量用户对网站、应用程序等进行并发访问，以测试其性能和稳定性。</a:t>
+            </a:r>
+          </a:p>
+        </p:txBody>
+      </p:sp>
+      <p:sp>
+        <p:nvSpPr>
+          <p:cNvPr id="5" name="New shape"/>
+          <p:cNvSpPr/>
           <p:nvPr/>
-        </p:nvPicPr>
-        <p:blipFill>
-          <a:blip r:embed="rId4">
-            <a:extLst>
-              <a:ext uri="{28A0092B-C50C-407E-A947-70E740481C1C}">
-                <a14:useLocalDpi xmlns:a14="http://schemas.microsoft.com/office/drawing/2010/main" val="0"/>
-              </a:ext>
-            </a:extLst>
-          </a:blip>
-          <a:stretch>
-            <a:fillRect/>
-          </a:stretch>
-        </p:blipFill>
-        <p:spPr>
-          <a:xfrm>
-            <a:off x="239688" y="1116417"/>
-            <a:ext cx="11712624" cy="2018265"/>
+        </p:nvSpPr>
+        <p:spPr>
+          <a:xfrm>
+            <a:off x="1556530" y="1627201"/>
+            <a:ext cx="2532802" cy="648071"/>
+          </a:xfrm>
+          <a:prstGeom prst="roundRect">
+            <a:avLst>
+              <a:gd name="adj" fmla="val 20033"/>
+            </a:avLst>
+          </a:prstGeom>
+          <a:solidFill>
+            <a:srgbClr val="0248DE"/>
+          </a:solidFill>
+          <a:ln w="6350">
+            <a:solidFill>
+              <a:srgbClr val="F39D3C"/>
+            </a:solidFill>
+          </a:ln>
+        </p:spPr>
+        <p:style>
+          <a:lnRef idx="2">
+            <a:schemeClr val="accent1">
+              <a:shade val="50000"/>
+            </a:schemeClr>
+          </a:lnRef>
+          <a:fillRef idx="1">
+            <a:schemeClr val="accent1"/>
+          </a:fillRef>
+          <a:effectRef idx="0">
+            <a:schemeClr val="accent1"/>
+          </a:effectRef>
+          <a:fontRef idx="minor">
+            <a:schemeClr val="lt1"/>
+          </a:fontRef>
+        </p:style>
+        <p:txBody>
+          <a:bodyPr rtlCol="0" anchor="ctr">
+            <a:spAutoFit/>
+          </a:bodyPr>
+          <a:lstStyle/>
+          <a:p>
+            <a:pPr algn="ctr">
+              <a:lnSpc>
+                <a:spcPct val="150000"/>
+              </a:lnSpc>
+            </a:pPr>
+            <a:r>
+              <a:rPr sz="2100" b="1" i="0">
+                <a:solidFill>
+                  <a:srgbClr val="9EDBFF"/>
+                </a:solidFill>
+                <a:latin typeface="微软雅黑"/>
+              </a:rPr>
+              <a:t>JMeter简介</a:t>
+            </a:r>
+          </a:p>
+        </p:txBody>
+      </p:sp>
+      <p:sp>
+        <p:nvSpPr>
+          <p:cNvPr id="6" name="New shape"/>
+          <p:cNvSpPr/>
+          <p:nvPr/>
+        </p:nvSpPr>
+        <p:spPr>
+          <a:xfrm>
+            <a:off x="4430015" y="2402270"/>
+            <a:ext cx="2744215" cy="1893557"/>
           </a:xfrm>
           <a:prstGeom prst="rect">
             <a:avLst/>
           </a:prstGeom>
-        </p:spPr>
-      </p:pic>
-      <p:pic>
-        <p:nvPicPr>
-          <p:cNvPr id="19" name="图片 18">
-            <a:extLst>
-              <a:ext uri="{FF2B5EF4-FFF2-40B4-BE49-F238E27FC236}">
-                <a16:creationId xmlns:a16="http://schemas.microsoft.com/office/drawing/2014/main" id="{0DA5EA1F-BC2A-ECE6-482C-F5EBFAB11292}"/>
-              </a:ext>
-            </a:extLst>
-          </p:cNvPr>
-          <p:cNvPicPr>
-            <a:picLocks noChangeAspect="1"/>
-          </p:cNvPicPr>
+          <a:noFill/>
+          <a:ln>
+            <a:noFill/>
+          </a:ln>
+        </p:spPr>
+        <p:style>
+          <a:lnRef idx="2">
+            <a:schemeClr val="accent1">
+              <a:shade val="50000"/>
+            </a:schemeClr>
+          </a:lnRef>
+          <a:fillRef idx="1">
+            <a:schemeClr val="accent1"/>
+          </a:fillRef>
+          <a:effectRef idx="0">
+            <a:schemeClr val="accent1"/>
+          </a:effectRef>
+          <a:fontRef idx="minor">
+            <a:schemeClr val="lt1"/>
+          </a:fontRef>
+        </p:style>
+        <p:txBody>
+          <a:bodyPr rtlCol="0" anchor="ctr">
+            <a:spAutoFit/>
+          </a:bodyPr>
+          <a:lstStyle/>
+          <a:p>
+            <a:pPr algn="l">
+              <a:lnSpc>
+                <a:spcPct val="150000"/>
+              </a:lnSpc>
+            </a:pPr>
+            <a:r>
+              <a:rPr sz="1575" b="0" i="0">
+                <a:solidFill>
+                  <a:srgbClr val="FFFFFF"/>
+                </a:solidFill>
+                <a:latin typeface="微软雅黑"/>
+              </a:rPr>
+              <a:t>JMeter具备多种功能，包括负载测试、压力测试、性能调优等。它可以生成详细的报告，帮助开发者识别系统瓶颈，从而优化系统性能。</a:t>
+            </a:r>
+          </a:p>
+        </p:txBody>
+      </p:sp>
+      <p:sp>
+        <p:nvSpPr>
+          <p:cNvPr id="7" name="New shape"/>
+          <p:cNvSpPr/>
           <p:nvPr/>
-        </p:nvPicPr>
-        <p:blipFill>
-          <a:blip r:embed="rId5">
-            <a:extLst>
-              <a:ext uri="{28A0092B-C50C-407E-A947-70E740481C1C}">
-                <a14:useLocalDpi xmlns:a14="http://schemas.microsoft.com/office/drawing/2010/main" val="0"/>
-              </a:ext>
-            </a:extLst>
-          </a:blip>
-          <a:stretch>
-            <a:fillRect/>
-          </a:stretch>
-        </p:blipFill>
-        <p:spPr>
-          <a:xfrm>
-            <a:off x="239688" y="3450885"/>
-            <a:ext cx="11712624" cy="2138355"/>
+        </p:nvSpPr>
+        <p:spPr>
+          <a:xfrm>
+            <a:off x="4427745" y="1627201"/>
+            <a:ext cx="2532802" cy="648071"/>
+          </a:xfrm>
+          <a:prstGeom prst="roundRect">
+            <a:avLst>
+              <a:gd name="adj" fmla="val 20033"/>
+            </a:avLst>
+          </a:prstGeom>
+          <a:solidFill>
+            <a:srgbClr val="0248DE"/>
+          </a:solidFill>
+          <a:ln w="6350">
+            <a:solidFill>
+              <a:srgbClr val="F39D3C"/>
+            </a:solidFill>
+          </a:ln>
+        </p:spPr>
+        <p:style>
+          <a:lnRef idx="2">
+            <a:schemeClr val="accent1">
+              <a:shade val="50000"/>
+            </a:schemeClr>
+          </a:lnRef>
+          <a:fillRef idx="1">
+            <a:schemeClr val="accent1"/>
+          </a:fillRef>
+          <a:effectRef idx="0">
+            <a:schemeClr val="accent1"/>
+          </a:effectRef>
+          <a:fontRef idx="minor">
+            <a:schemeClr val="lt1"/>
+          </a:fontRef>
+        </p:style>
+        <p:txBody>
+          <a:bodyPr rtlCol="0" anchor="ctr">
+            <a:spAutoFit/>
+          </a:bodyPr>
+          <a:lstStyle/>
+          <a:p>
+            <a:pPr algn="ctr">
+              <a:lnSpc>
+                <a:spcPct val="150000"/>
+              </a:lnSpc>
+            </a:pPr>
+            <a:r>
+              <a:rPr sz="2100" b="1" i="0">
+                <a:solidFill>
+                  <a:srgbClr val="9EDBFF"/>
+                </a:solidFill>
+                <a:latin typeface="微软雅黑"/>
+              </a:rPr>
+              <a:t>JMeter的主要功能</a:t>
+            </a:r>
+          </a:p>
+        </p:txBody>
+      </p:sp>
+      <p:sp>
+        <p:nvSpPr>
+          <p:cNvPr id="8" name="New shape"/>
+          <p:cNvSpPr/>
+          <p:nvPr/>
+        </p:nvSpPr>
+        <p:spPr>
+          <a:xfrm>
+            <a:off x="7301229" y="2402270"/>
+            <a:ext cx="2744216" cy="2253962"/>
           </a:xfrm>
           <a:prstGeom prst="rect">
             <a:avLst/>
           </a:prstGeom>
-        </p:spPr>
-      </p:pic>
+          <a:noFill/>
+          <a:ln>
+            <a:noFill/>
+          </a:ln>
+        </p:spPr>
+        <p:style>
+          <a:lnRef idx="2">
+            <a:schemeClr val="accent1">
+              <a:shade val="50000"/>
+            </a:schemeClr>
+          </a:lnRef>
+          <a:fillRef idx="1">
+            <a:schemeClr val="accent1"/>
+          </a:fillRef>
+          <a:effectRef idx="0">
+            <a:schemeClr val="accent1"/>
+          </a:effectRef>
+          <a:fontRef idx="minor">
+            <a:schemeClr val="lt1"/>
+          </a:fontRef>
+        </p:style>
+        <p:txBody>
+          <a:bodyPr rtlCol="0" anchor="ctr">
+            <a:spAutoFit/>
+          </a:bodyPr>
+          <a:lstStyle/>
+          <a:p>
+            <a:pPr algn="l">
+              <a:lnSpc>
+                <a:spcPct val="150000"/>
+              </a:lnSpc>
+            </a:pPr>
+            <a:r>
+              <a:rPr sz="1575" b="0" i="0">
+                <a:solidFill>
+                  <a:srgbClr val="FFFFFF"/>
+                </a:solidFill>
+                <a:latin typeface="微软雅黑"/>
+              </a:rPr>
+              <a:t>使用JMeter进行性能测试时，首先需要创建测试计划，然后添加线程组、采样器、监听器等组件。通过这些组件，可以模拟用户的实际操作，从而对系统进行压力测试。</a:t>
+            </a:r>
+          </a:p>
+        </p:txBody>
+      </p:sp>
+      <p:sp>
+        <p:nvSpPr>
+          <p:cNvPr id="9" name="New shape"/>
+          <p:cNvSpPr/>
+          <p:nvPr/>
+        </p:nvSpPr>
+        <p:spPr>
+          <a:xfrm>
+            <a:off x="7298959" y="1627201"/>
+            <a:ext cx="2532802" cy="648071"/>
+          </a:xfrm>
+          <a:prstGeom prst="roundRect">
+            <a:avLst>
+              <a:gd name="adj" fmla="val 20033"/>
+            </a:avLst>
+          </a:prstGeom>
+          <a:solidFill>
+            <a:srgbClr val="0248DE"/>
+          </a:solidFill>
+          <a:ln w="6350">
+            <a:solidFill>
+              <a:srgbClr val="F39D3C"/>
+            </a:solidFill>
+          </a:ln>
+        </p:spPr>
+        <p:style>
+          <a:lnRef idx="2">
+            <a:schemeClr val="accent1">
+              <a:shade val="50000"/>
+            </a:schemeClr>
+          </a:lnRef>
+          <a:fillRef idx="1">
+            <a:schemeClr val="accent1"/>
+          </a:fillRef>
+          <a:effectRef idx="0">
+            <a:schemeClr val="accent1"/>
+          </a:effectRef>
+          <a:fontRef idx="minor">
+            <a:schemeClr val="lt1"/>
+          </a:fontRef>
+        </p:style>
+        <p:txBody>
+          <a:bodyPr rtlCol="0" anchor="ctr">
+            <a:spAutoFit/>
+          </a:bodyPr>
+          <a:lstStyle/>
+          <a:p>
+            <a:pPr algn="ctr">
+              <a:lnSpc>
+                <a:spcPct val="150000"/>
+              </a:lnSpc>
+            </a:pPr>
+            <a:r>
+              <a:rPr sz="2100" b="1" i="0">
+                <a:solidFill>
+                  <a:srgbClr val="9EDBFF"/>
+                </a:solidFill>
+                <a:latin typeface="微软雅黑"/>
+              </a:rPr>
+              <a:t>JMeter的使用方法</a:t>
+            </a:r>
+          </a:p>
+        </p:txBody>
+      </p:sp>
     </p:spTree>
-    <p:extLst>
-      <p:ext uri="{BB962C8B-B14F-4D97-AF65-F5344CB8AC3E}">
-        <p14:creationId xmlns:p14="http://schemas.microsoft.com/office/powerpoint/2010/main" val="4064639941"/>
-      </p:ext>
-    </p:extLst>
   </p:cSld>
   <p:clrMapOvr>
     <a:masterClrMapping/>
@@ -4559,268 +4847,6 @@
 </file>
 
 <file path=ppt/slides/slide11.xml><?xml version="1.0" encoding="utf-8"?>
-<p:sld xmlns:a="http://schemas.openxmlformats.org/drawingml/2006/main" xmlns:r="http://schemas.openxmlformats.org/officeDocument/2006/relationships" xmlns:p="http://schemas.openxmlformats.org/presentationml/2006/main">
-  <p:cSld>
-    <p:bg>
-      <p:bgPr>
-        <a:solidFill>
-          <a:srgbClr val="025FE2"/>
-        </a:solidFill>
-        <a:effectLst/>
-      </p:bgPr>
-    </p:bg>
-    <p:spTree>
-      <p:nvGrpSpPr>
-        <p:cNvPr id="1" name=""/>
-        <p:cNvGrpSpPr/>
-        <p:nvPr/>
-      </p:nvGrpSpPr>
-      <p:grpSpPr>
-        <a:xfrm>
-          <a:off x="0" y="0"/>
-          <a:ext cx="0" cy="0"/>
-          <a:chOff x="0" y="0"/>
-          <a:chExt cx="0" cy="0"/>
-        </a:xfrm>
-      </p:grpSpPr>
-      <p:pic>
-        <p:nvPicPr>
-          <p:cNvPr id="2" name="New picture"/>
-          <p:cNvPicPr/>
-          <p:nvPr/>
-        </p:nvPicPr>
-        <p:blipFill>
-          <a:blip r:embed="rId2"/>
-          <a:srcRect/>
-          <a:stretch>
-            <a:fillRect/>
-          </a:stretch>
-        </p:blipFill>
-        <p:spPr>
-          <a:xfrm>
-            <a:off x="7802880" y="0"/>
-            <a:ext cx="4389120" cy="6858000"/>
-          </a:xfrm>
-          <a:prstGeom prst="rect">
-            <a:avLst/>
-          </a:prstGeom>
-          <a:ln>
-            <a:noFill/>
-          </a:ln>
-        </p:spPr>
-      </p:pic>
-      <p:pic>
-        <p:nvPicPr>
-          <p:cNvPr id="3" name="New picture"/>
-          <p:cNvPicPr/>
-          <p:nvPr/>
-        </p:nvPicPr>
-        <p:blipFill>
-          <a:blip r:embed="rId3"/>
-          <a:srcRect/>
-          <a:stretch>
-            <a:fillRect/>
-          </a:stretch>
-        </p:blipFill>
-        <p:spPr>
-          <a:xfrm>
-            <a:off x="766800" y="835200"/>
-            <a:ext cx="925200" cy="925200"/>
-          </a:xfrm>
-          <a:prstGeom prst="rect">
-            <a:avLst/>
-          </a:prstGeom>
-          <a:ln>
-            <a:noFill/>
-          </a:ln>
-        </p:spPr>
-      </p:pic>
-      <p:sp>
-        <p:nvSpPr>
-          <p:cNvPr id="4" name="New shape"/>
-          <p:cNvSpPr/>
-          <p:nvPr/>
-        </p:nvSpPr>
-        <p:spPr>
-          <a:xfrm>
-            <a:off x="986400" y="991478"/>
-            <a:ext cx="5776571" cy="1069845"/>
-          </a:xfrm>
-          <a:prstGeom prst="rect">
-            <a:avLst/>
-          </a:prstGeom>
-          <a:noFill/>
-          <a:ln>
-            <a:noFill/>
-          </a:ln>
-        </p:spPr>
-        <p:style>
-          <a:lnRef idx="2">
-            <a:schemeClr val="accent1">
-              <a:shade val="50000"/>
-            </a:schemeClr>
-          </a:lnRef>
-          <a:fillRef idx="1">
-            <a:schemeClr val="accent1"/>
-          </a:fillRef>
-          <a:effectRef idx="0">
-            <a:schemeClr val="accent1"/>
-          </a:effectRef>
-          <a:fontRef idx="minor">
-            <a:schemeClr val="lt1"/>
-          </a:fontRef>
-        </p:style>
-        <p:txBody>
-          <a:bodyPr rtlCol="0" anchor="ctr">
-            <a:spAutoFit/>
-          </a:bodyPr>
-          <a:lstStyle/>
-          <a:p>
-            <a:pPr>
-              <a:lnSpc>
-                <a:spcPct val="150000"/>
-              </a:lnSpc>
-            </a:pPr>
-            <a:r>
-              <a:rPr sz="4800" b="1" i="0" dirty="0">
-                <a:solidFill>
-                  <a:srgbClr val="9EDBFF"/>
-                </a:solidFill>
-                <a:latin typeface="微软雅黑"/>
-              </a:rPr>
-              <a:t>0</a:t>
-            </a:r>
-            <a:r>
-              <a:rPr lang="en-US" sz="4800" b="1" i="0" dirty="0">
-                <a:solidFill>
-                  <a:srgbClr val="9EDBFF"/>
-                </a:solidFill>
-                <a:latin typeface="微软雅黑"/>
-              </a:rPr>
-              <a:t>2</a:t>
-            </a:r>
-            <a:endParaRPr sz="4800" b="1" i="0" dirty="0">
-              <a:solidFill>
-                <a:srgbClr val="9EDBFF"/>
-              </a:solidFill>
-              <a:latin typeface="微软雅黑"/>
-            </a:endParaRPr>
-          </a:p>
-        </p:txBody>
-      </p:sp>
-      <p:sp>
-        <p:nvSpPr>
-          <p:cNvPr id="5" name="New shape"/>
-          <p:cNvSpPr/>
-          <p:nvPr/>
-        </p:nvSpPr>
-        <p:spPr>
-          <a:xfrm>
-            <a:off x="1503358" y="2566821"/>
-            <a:ext cx="5771526" cy="2169825"/>
-          </a:xfrm>
-          <a:prstGeom prst="rect">
-            <a:avLst/>
-          </a:prstGeom>
-          <a:noFill/>
-          <a:ln>
-            <a:noFill/>
-          </a:ln>
-        </p:spPr>
-        <p:style>
-          <a:lnRef idx="2">
-            <a:schemeClr val="accent1">
-              <a:shade val="50000"/>
-            </a:schemeClr>
-          </a:lnRef>
-          <a:fillRef idx="1">
-            <a:schemeClr val="accent1"/>
-          </a:fillRef>
-          <a:effectRef idx="0">
-            <a:schemeClr val="accent1"/>
-          </a:effectRef>
-          <a:fontRef idx="minor">
-            <a:schemeClr val="lt1"/>
-          </a:fontRef>
-        </p:style>
-        <p:txBody>
-          <a:bodyPr rtlCol="0" anchor="ctr">
-            <a:spAutoFit/>
-          </a:bodyPr>
-          <a:lstStyle/>
-          <a:p>
-            <a:pPr>
-              <a:lnSpc>
-                <a:spcPct val="150000"/>
-              </a:lnSpc>
-            </a:pPr>
-            <a:r>
-              <a:rPr lang="en-US" sz="4800" b="1" i="0" dirty="0">
-                <a:solidFill>
-                  <a:srgbClr val="F39D3C"/>
-                </a:solidFill>
-                <a:latin typeface="微软雅黑"/>
-              </a:rPr>
-              <a:t>Task9 </a:t>
-            </a:r>
-          </a:p>
-          <a:p>
-            <a:pPr>
-              <a:lnSpc>
-                <a:spcPct val="150000"/>
-              </a:lnSpc>
-            </a:pPr>
-            <a:r>
-              <a:rPr lang="en-US" sz="4800" b="1" dirty="0">
-                <a:solidFill>
-                  <a:srgbClr val="F39D3C"/>
-                </a:solidFill>
-                <a:latin typeface="微软雅黑"/>
-              </a:rPr>
-              <a:t>         </a:t>
-            </a:r>
-            <a:r>
-              <a:rPr lang="en-US" sz="4800" b="1" i="0" dirty="0">
-                <a:solidFill>
-                  <a:srgbClr val="F39D3C"/>
-                </a:solidFill>
-                <a:latin typeface="微软雅黑"/>
-              </a:rPr>
-              <a:t>Web</a:t>
-            </a:r>
-            <a:r>
-              <a:rPr lang="zh-CN" altLang="en-US" sz="4800" b="1" i="0" dirty="0">
-                <a:solidFill>
-                  <a:srgbClr val="F39D3C"/>
-                </a:solidFill>
-                <a:latin typeface="微软雅黑"/>
-              </a:rPr>
-              <a:t>应用运维</a:t>
-            </a:r>
-            <a:endParaRPr sz="4800" b="1" i="0" dirty="0">
-              <a:solidFill>
-                <a:srgbClr val="F39D3C"/>
-              </a:solidFill>
-              <a:latin typeface="微软雅黑"/>
-            </a:endParaRPr>
-          </a:p>
-        </p:txBody>
-      </p:sp>
-    </p:spTree>
-    <p:extLst>
-      <p:ext uri="{BB962C8B-B14F-4D97-AF65-F5344CB8AC3E}">
-        <p14:creationId xmlns:p14="http://schemas.microsoft.com/office/powerpoint/2010/main" val="1989819953"/>
-      </p:ext>
-    </p:extLst>
-  </p:cSld>
-  <p:clrMapOvr>
-    <a:masterClrMapping/>
-  </p:clrMapOvr>
-  <p:transition/>
-</p:sld>
-</file>
-
-<file path=ppt/slides/slide12.xml><?xml version="1.0" encoding="utf-8"?>
 <p:sld xmlns:a="http://schemas.openxmlformats.org/drawingml/2006/main" xmlns:r="http://schemas.openxmlformats.org/officeDocument/2006/relationships" xmlns:p="http://schemas.openxmlformats.org/presentationml/2006/main">
   <p:cSld>
     <p:bg>
@@ -4883,6 +4909,476 @@
         </p:nvSpPr>
         <p:spPr>
           <a:xfrm>
+            <a:off x="982800" y="145897"/>
+            <a:ext cx="9369360" cy="698204"/>
+          </a:xfrm>
+          <a:prstGeom prst="rect">
+            <a:avLst/>
+          </a:prstGeom>
+          <a:noFill/>
+          <a:ln>
+            <a:noFill/>
+          </a:ln>
+        </p:spPr>
+        <p:style>
+          <a:lnRef idx="2">
+            <a:schemeClr val="accent1">
+              <a:shade val="50000"/>
+            </a:schemeClr>
+          </a:lnRef>
+          <a:fillRef idx="1">
+            <a:schemeClr val="accent1"/>
+          </a:fillRef>
+          <a:effectRef idx="0">
+            <a:schemeClr val="accent1"/>
+          </a:effectRef>
+          <a:fontRef idx="minor">
+            <a:schemeClr val="lt1"/>
+          </a:fontRef>
+        </p:style>
+        <p:txBody>
+          <a:bodyPr rtlCol="0" anchor="ctr">
+            <a:spAutoFit/>
+          </a:bodyPr>
+          <a:lstStyle/>
+          <a:p>
+            <a:pPr>
+              <a:lnSpc>
+                <a:spcPct val="150000"/>
+              </a:lnSpc>
+            </a:pPr>
+            <a:r>
+              <a:rPr lang="zh-CN" altLang="en-US" sz="3000" b="1" i="0" dirty="0">
+                <a:solidFill>
+                  <a:srgbClr val="FFFFFF"/>
+                </a:solidFill>
+                <a:latin typeface="微软雅黑"/>
+              </a:rPr>
+              <a:t>性能测试：</a:t>
+            </a:r>
+            <a:r>
+              <a:rPr lang="en-US" altLang="zh-CN" sz="3000" b="1" i="0" dirty="0">
+                <a:solidFill>
+                  <a:srgbClr val="FFFFFF"/>
+                </a:solidFill>
+                <a:latin typeface="微软雅黑"/>
+              </a:rPr>
+              <a:t>JMeter</a:t>
+            </a:r>
+          </a:p>
+        </p:txBody>
+      </p:sp>
+      <p:pic>
+        <p:nvPicPr>
+          <p:cNvPr id="17" name="图片 16">
+            <a:extLst>
+              <a:ext uri="{FF2B5EF4-FFF2-40B4-BE49-F238E27FC236}">
+                <a16:creationId xmlns:a16="http://schemas.microsoft.com/office/drawing/2014/main" id="{ECAE8E78-F09A-B72B-081D-9EC0DAF6D411}"/>
+              </a:ext>
+            </a:extLst>
+          </p:cNvPr>
+          <p:cNvPicPr>
+            <a:picLocks noChangeAspect="1"/>
+          </p:cNvPicPr>
+          <p:nvPr/>
+        </p:nvPicPr>
+        <p:blipFill>
+          <a:blip r:embed="rId4">
+            <a:extLst>
+              <a:ext uri="{28A0092B-C50C-407E-A947-70E740481C1C}">
+                <a14:useLocalDpi xmlns:a14="http://schemas.microsoft.com/office/drawing/2010/main" val="0"/>
+              </a:ext>
+            </a:extLst>
+          </a:blip>
+          <a:stretch>
+            <a:fillRect/>
+          </a:stretch>
+        </p:blipFill>
+        <p:spPr>
+          <a:xfrm>
+            <a:off x="239688" y="1116417"/>
+            <a:ext cx="11712624" cy="2018265"/>
+          </a:xfrm>
+          <a:prstGeom prst="rect">
+            <a:avLst/>
+          </a:prstGeom>
+        </p:spPr>
+      </p:pic>
+      <p:pic>
+        <p:nvPicPr>
+          <p:cNvPr id="19" name="图片 18">
+            <a:extLst>
+              <a:ext uri="{FF2B5EF4-FFF2-40B4-BE49-F238E27FC236}">
+                <a16:creationId xmlns:a16="http://schemas.microsoft.com/office/drawing/2014/main" id="{0DA5EA1F-BC2A-ECE6-482C-F5EBFAB11292}"/>
+              </a:ext>
+            </a:extLst>
+          </p:cNvPr>
+          <p:cNvPicPr>
+            <a:picLocks noChangeAspect="1"/>
+          </p:cNvPicPr>
+          <p:nvPr/>
+        </p:nvPicPr>
+        <p:blipFill>
+          <a:blip r:embed="rId5">
+            <a:extLst>
+              <a:ext uri="{28A0092B-C50C-407E-A947-70E740481C1C}">
+                <a14:useLocalDpi xmlns:a14="http://schemas.microsoft.com/office/drawing/2010/main" val="0"/>
+              </a:ext>
+            </a:extLst>
+          </a:blip>
+          <a:stretch>
+            <a:fillRect/>
+          </a:stretch>
+        </p:blipFill>
+        <p:spPr>
+          <a:xfrm>
+            <a:off x="239688" y="3450885"/>
+            <a:ext cx="11712624" cy="2138355"/>
+          </a:xfrm>
+          <a:prstGeom prst="rect">
+            <a:avLst/>
+          </a:prstGeom>
+        </p:spPr>
+      </p:pic>
+    </p:spTree>
+    <p:extLst>
+      <p:ext uri="{BB962C8B-B14F-4D97-AF65-F5344CB8AC3E}">
+        <p14:creationId xmlns:p14="http://schemas.microsoft.com/office/powerpoint/2010/main" val="4064639941"/>
+      </p:ext>
+    </p:extLst>
+  </p:cSld>
+  <p:clrMapOvr>
+    <a:masterClrMapping/>
+  </p:clrMapOvr>
+  <p:transition/>
+</p:sld>
+</file>
+
+<file path=ppt/slides/slide12.xml><?xml version="1.0" encoding="utf-8"?>
+<p:sld xmlns:a="http://schemas.openxmlformats.org/drawingml/2006/main" xmlns:r="http://schemas.openxmlformats.org/officeDocument/2006/relationships" xmlns:p="http://schemas.openxmlformats.org/presentationml/2006/main">
+  <p:cSld>
+    <p:bg>
+      <p:bgPr>
+        <a:solidFill>
+          <a:srgbClr val="025FE2"/>
+        </a:solidFill>
+        <a:effectLst/>
+      </p:bgPr>
+    </p:bg>
+    <p:spTree>
+      <p:nvGrpSpPr>
+        <p:cNvPr id="1" name=""/>
+        <p:cNvGrpSpPr/>
+        <p:nvPr/>
+      </p:nvGrpSpPr>
+      <p:grpSpPr>
+        <a:xfrm>
+          <a:off x="0" y="0"/>
+          <a:ext cx="0" cy="0"/>
+          <a:chOff x="0" y="0"/>
+          <a:chExt cx="0" cy="0"/>
+        </a:xfrm>
+      </p:grpSpPr>
+      <p:pic>
+        <p:nvPicPr>
+          <p:cNvPr id="2" name="New picture"/>
+          <p:cNvPicPr/>
+          <p:nvPr/>
+        </p:nvPicPr>
+        <p:blipFill>
+          <a:blip r:embed="rId2"/>
+          <a:srcRect/>
+          <a:stretch>
+            <a:fillRect/>
+          </a:stretch>
+        </p:blipFill>
+        <p:spPr>
+          <a:xfrm>
+            <a:off x="7802880" y="0"/>
+            <a:ext cx="4389120" cy="6858000"/>
+          </a:xfrm>
+          <a:prstGeom prst="rect">
+            <a:avLst/>
+          </a:prstGeom>
+          <a:ln>
+            <a:noFill/>
+          </a:ln>
+        </p:spPr>
+      </p:pic>
+      <p:pic>
+        <p:nvPicPr>
+          <p:cNvPr id="3" name="New picture"/>
+          <p:cNvPicPr/>
+          <p:nvPr/>
+        </p:nvPicPr>
+        <p:blipFill>
+          <a:blip r:embed="rId3"/>
+          <a:srcRect/>
+          <a:stretch>
+            <a:fillRect/>
+          </a:stretch>
+        </p:blipFill>
+        <p:spPr>
+          <a:xfrm>
+            <a:off x="766800" y="835200"/>
+            <a:ext cx="925200" cy="925200"/>
+          </a:xfrm>
+          <a:prstGeom prst="rect">
+            <a:avLst/>
+          </a:prstGeom>
+          <a:ln>
+            <a:noFill/>
+          </a:ln>
+        </p:spPr>
+      </p:pic>
+      <p:sp>
+        <p:nvSpPr>
+          <p:cNvPr id="4" name="New shape"/>
+          <p:cNvSpPr/>
+          <p:nvPr/>
+        </p:nvSpPr>
+        <p:spPr>
+          <a:xfrm>
+            <a:off x="986400" y="991478"/>
+            <a:ext cx="5776571" cy="1069845"/>
+          </a:xfrm>
+          <a:prstGeom prst="rect">
+            <a:avLst/>
+          </a:prstGeom>
+          <a:noFill/>
+          <a:ln>
+            <a:noFill/>
+          </a:ln>
+        </p:spPr>
+        <p:style>
+          <a:lnRef idx="2">
+            <a:schemeClr val="accent1">
+              <a:shade val="50000"/>
+            </a:schemeClr>
+          </a:lnRef>
+          <a:fillRef idx="1">
+            <a:schemeClr val="accent1"/>
+          </a:fillRef>
+          <a:effectRef idx="0">
+            <a:schemeClr val="accent1"/>
+          </a:effectRef>
+          <a:fontRef idx="minor">
+            <a:schemeClr val="lt1"/>
+          </a:fontRef>
+        </p:style>
+        <p:txBody>
+          <a:bodyPr rtlCol="0" anchor="ctr">
+            <a:spAutoFit/>
+          </a:bodyPr>
+          <a:lstStyle/>
+          <a:p>
+            <a:pPr>
+              <a:lnSpc>
+                <a:spcPct val="150000"/>
+              </a:lnSpc>
+            </a:pPr>
+            <a:r>
+              <a:rPr sz="4800" b="1" i="0" dirty="0">
+                <a:solidFill>
+                  <a:srgbClr val="9EDBFF"/>
+                </a:solidFill>
+                <a:latin typeface="微软雅黑"/>
+              </a:rPr>
+              <a:t>0</a:t>
+            </a:r>
+            <a:r>
+              <a:rPr lang="en-US" sz="4800" b="1" i="0" dirty="0">
+                <a:solidFill>
+                  <a:srgbClr val="9EDBFF"/>
+                </a:solidFill>
+                <a:latin typeface="微软雅黑"/>
+              </a:rPr>
+              <a:t>2</a:t>
+            </a:r>
+            <a:endParaRPr sz="4800" b="1" i="0" dirty="0">
+              <a:solidFill>
+                <a:srgbClr val="9EDBFF"/>
+              </a:solidFill>
+              <a:latin typeface="微软雅黑"/>
+            </a:endParaRPr>
+          </a:p>
+        </p:txBody>
+      </p:sp>
+      <p:sp>
+        <p:nvSpPr>
+          <p:cNvPr id="5" name="New shape"/>
+          <p:cNvSpPr/>
+          <p:nvPr/>
+        </p:nvSpPr>
+        <p:spPr>
+          <a:xfrm>
+            <a:off x="1503358" y="2566821"/>
+            <a:ext cx="5771526" cy="2169825"/>
+          </a:xfrm>
+          <a:prstGeom prst="rect">
+            <a:avLst/>
+          </a:prstGeom>
+          <a:noFill/>
+          <a:ln>
+            <a:noFill/>
+          </a:ln>
+        </p:spPr>
+        <p:style>
+          <a:lnRef idx="2">
+            <a:schemeClr val="accent1">
+              <a:shade val="50000"/>
+            </a:schemeClr>
+          </a:lnRef>
+          <a:fillRef idx="1">
+            <a:schemeClr val="accent1"/>
+          </a:fillRef>
+          <a:effectRef idx="0">
+            <a:schemeClr val="accent1"/>
+          </a:effectRef>
+          <a:fontRef idx="minor">
+            <a:schemeClr val="lt1"/>
+          </a:fontRef>
+        </p:style>
+        <p:txBody>
+          <a:bodyPr rtlCol="0" anchor="ctr">
+            <a:spAutoFit/>
+          </a:bodyPr>
+          <a:lstStyle/>
+          <a:p>
+            <a:pPr>
+              <a:lnSpc>
+                <a:spcPct val="150000"/>
+              </a:lnSpc>
+            </a:pPr>
+            <a:r>
+              <a:rPr lang="en-US" sz="4800" b="1" i="0" dirty="0">
+                <a:solidFill>
+                  <a:srgbClr val="F39D3C"/>
+                </a:solidFill>
+                <a:latin typeface="微软雅黑"/>
+              </a:rPr>
+              <a:t>Task9 </a:t>
+            </a:r>
+          </a:p>
+          <a:p>
+            <a:pPr>
+              <a:lnSpc>
+                <a:spcPct val="150000"/>
+              </a:lnSpc>
+            </a:pPr>
+            <a:r>
+              <a:rPr lang="en-US" sz="4800" b="1" dirty="0">
+                <a:solidFill>
+                  <a:srgbClr val="F39D3C"/>
+                </a:solidFill>
+                <a:latin typeface="微软雅黑"/>
+              </a:rPr>
+              <a:t>         </a:t>
+            </a:r>
+            <a:r>
+              <a:rPr lang="en-US" sz="4800" b="1" i="0" dirty="0">
+                <a:solidFill>
+                  <a:srgbClr val="F39D3C"/>
+                </a:solidFill>
+                <a:latin typeface="微软雅黑"/>
+              </a:rPr>
+              <a:t>Web</a:t>
+            </a:r>
+            <a:r>
+              <a:rPr lang="zh-CN" altLang="en-US" sz="4800" b="1" i="0" dirty="0">
+                <a:solidFill>
+                  <a:srgbClr val="F39D3C"/>
+                </a:solidFill>
+                <a:latin typeface="微软雅黑"/>
+              </a:rPr>
+              <a:t>应用运维</a:t>
+            </a:r>
+            <a:endParaRPr sz="4800" b="1" i="0" dirty="0">
+              <a:solidFill>
+                <a:srgbClr val="F39D3C"/>
+              </a:solidFill>
+              <a:latin typeface="微软雅黑"/>
+            </a:endParaRPr>
+          </a:p>
+        </p:txBody>
+      </p:sp>
+    </p:spTree>
+    <p:extLst>
+      <p:ext uri="{BB962C8B-B14F-4D97-AF65-F5344CB8AC3E}">
+        <p14:creationId xmlns:p14="http://schemas.microsoft.com/office/powerpoint/2010/main" val="1989819953"/>
+      </p:ext>
+    </p:extLst>
+  </p:cSld>
+  <p:clrMapOvr>
+    <a:masterClrMapping/>
+  </p:clrMapOvr>
+  <p:transition/>
+</p:sld>
+</file>
+
+<file path=ppt/slides/slide13.xml><?xml version="1.0" encoding="utf-8"?>
+<p:sld xmlns:a="http://schemas.openxmlformats.org/drawingml/2006/main" xmlns:r="http://schemas.openxmlformats.org/officeDocument/2006/relationships" xmlns:p="http://schemas.openxmlformats.org/presentationml/2006/main">
+  <p:cSld>
+    <p:bg>
+      <p:bgPr>
+        <a:blipFill dpi="0">
+          <a:blip r:embed="rId2"/>
+          <a:srcRect/>
+          <a:stretch>
+            <a:fillRect/>
+          </a:stretch>
+        </a:blipFill>
+        <a:effectLst/>
+      </p:bgPr>
+    </p:bg>
+    <p:spTree>
+      <p:nvGrpSpPr>
+        <p:cNvPr id="1" name=""/>
+        <p:cNvGrpSpPr/>
+        <p:nvPr/>
+      </p:nvGrpSpPr>
+      <p:grpSpPr>
+        <a:xfrm>
+          <a:off x="0" y="0"/>
+          <a:ext cx="0" cy="0"/>
+          <a:chOff x="0" y="0"/>
+          <a:chExt cx="0" cy="0"/>
+        </a:xfrm>
+      </p:grpSpPr>
+      <p:pic>
+        <p:nvPicPr>
+          <p:cNvPr id="2" name="New picture"/>
+          <p:cNvPicPr/>
+          <p:nvPr/>
+        </p:nvPicPr>
+        <p:blipFill>
+          <a:blip r:embed="rId3"/>
+          <a:srcRect/>
+          <a:stretch>
+            <a:fillRect/>
+          </a:stretch>
+        </p:blipFill>
+        <p:spPr>
+          <a:xfrm>
+            <a:off x="424800" y="338400"/>
+            <a:ext cx="619200" cy="313200"/>
+          </a:xfrm>
+          <a:prstGeom prst="rect">
+            <a:avLst/>
+          </a:prstGeom>
+          <a:ln>
+            <a:noFill/>
+          </a:ln>
+        </p:spPr>
+      </p:pic>
+      <p:sp>
+        <p:nvSpPr>
+          <p:cNvPr id="3" name="New shape"/>
+          <p:cNvSpPr/>
+          <p:nvPr/>
+        </p:nvSpPr>
+        <p:spPr>
+          <a:xfrm>
             <a:off x="982800" y="105991"/>
             <a:ext cx="9369360" cy="778017"/>
           </a:xfrm>
@@ -5341,7 +5837,7 @@
 </p:sld>
 </file>
 
-<file path=ppt/slides/slide13.xml><?xml version="1.0" encoding="utf-8"?>
+<file path=ppt/slides/slide14.xml><?xml version="1.0" encoding="utf-8"?>
 <p:sld xmlns:a="http://schemas.openxmlformats.org/drawingml/2006/main" xmlns:r="http://schemas.openxmlformats.org/officeDocument/2006/relationships" xmlns:p="http://schemas.openxmlformats.org/presentationml/2006/main">
   <p:cSld>
     <p:bg>
@@ -7790,390 +8286,95 @@
               </a:lnSpc>
             </a:pPr>
             <a:r>
-              <a:rPr sz="3000" b="1" i="0" dirty="0" err="1">
+              <a:rPr sz="3000" b="1" i="0">
                 <a:solidFill>
                   <a:srgbClr val="FFFFFF"/>
                 </a:solidFill>
                 <a:latin typeface="微软雅黑"/>
               </a:rPr>
-              <a:t>性能测试：JMeter</a:t>
-            </a:r>
-            <a:endParaRPr sz="3000" b="1" i="0" dirty="0">
-              <a:solidFill>
-                <a:srgbClr val="FFFFFF"/>
-              </a:solidFill>
-              <a:latin typeface="微软雅黑"/>
-            </a:endParaRPr>
-          </a:p>
-        </p:txBody>
-      </p:sp>
-      <p:sp>
-        <p:nvSpPr>
-          <p:cNvPr id="4" name="New shape"/>
-          <p:cNvSpPr/>
+              <a:t>单元测试：Junit</a:t>
+            </a:r>
+          </a:p>
+        </p:txBody>
+      </p:sp>
+      <p:pic>
+        <p:nvPicPr>
+          <p:cNvPr id="17" name="图片 16">
+            <a:extLst>
+              <a:ext uri="{FF2B5EF4-FFF2-40B4-BE49-F238E27FC236}">
+                <a16:creationId xmlns:a16="http://schemas.microsoft.com/office/drawing/2014/main" id="{D9CDAA4D-66BE-8C7A-BD50-A27F2260269E}"/>
+              </a:ext>
+            </a:extLst>
+          </p:cNvPr>
+          <p:cNvPicPr>
+            <a:picLocks noChangeAspect="1"/>
+          </p:cNvPicPr>
           <p:nvPr/>
-        </p:nvSpPr>
-        <p:spPr>
-          <a:xfrm>
-            <a:off x="1558800" y="2402271"/>
-            <a:ext cx="2744215" cy="2253962"/>
+        </p:nvPicPr>
+        <p:blipFill>
+          <a:blip r:embed="rId4" cstate="print">
+            <a:extLst>
+              <a:ext uri="{28A0092B-C50C-407E-A947-70E740481C1C}">
+                <a14:useLocalDpi xmlns:a14="http://schemas.microsoft.com/office/drawing/2010/main" val="0"/>
+              </a:ext>
+            </a:extLst>
+          </a:blip>
+          <a:stretch>
+            <a:fillRect/>
+          </a:stretch>
+        </p:blipFill>
+        <p:spPr>
+          <a:xfrm>
+            <a:off x="424800" y="1340768"/>
+            <a:ext cx="5400600" cy="4058317"/>
           </a:xfrm>
           <a:prstGeom prst="rect">
             <a:avLst/>
           </a:prstGeom>
-          <a:noFill/>
-          <a:ln>
-            <a:noFill/>
-          </a:ln>
-        </p:spPr>
-        <p:style>
-          <a:lnRef idx="2">
-            <a:schemeClr val="accent1">
-              <a:shade val="50000"/>
-            </a:schemeClr>
-          </a:lnRef>
-          <a:fillRef idx="1">
-            <a:schemeClr val="accent1"/>
-          </a:fillRef>
-          <a:effectRef idx="0">
-            <a:schemeClr val="accent1"/>
-          </a:effectRef>
-          <a:fontRef idx="minor">
-            <a:schemeClr val="lt1"/>
-          </a:fontRef>
-        </p:style>
-        <p:txBody>
-          <a:bodyPr rtlCol="0" anchor="ctr">
-            <a:spAutoFit/>
-          </a:bodyPr>
-          <a:lstStyle/>
-          <a:p>
-            <a:pPr algn="l">
-              <a:lnSpc>
-                <a:spcPct val="150000"/>
-              </a:lnSpc>
-            </a:pPr>
-            <a:r>
-              <a:rPr sz="1575" b="0" i="0">
-                <a:solidFill>
-                  <a:srgbClr val="FFFFFF"/>
-                </a:solidFill>
-                <a:latin typeface="微软雅黑"/>
-              </a:rPr>
-              <a:t>JMeter是一款开源的性能测试工具，由Apache软件基金会开发。它能够模拟大量用户对网站、应用程序等进行并发访问，以测试其性能和稳定性。</a:t>
-            </a:r>
-          </a:p>
-        </p:txBody>
-      </p:sp>
-      <p:sp>
-        <p:nvSpPr>
-          <p:cNvPr id="5" name="New shape"/>
-          <p:cNvSpPr/>
+        </p:spPr>
+      </p:pic>
+      <p:pic>
+        <p:nvPicPr>
+          <p:cNvPr id="19" name="图片 18">
+            <a:extLst>
+              <a:ext uri="{FF2B5EF4-FFF2-40B4-BE49-F238E27FC236}">
+                <a16:creationId xmlns:a16="http://schemas.microsoft.com/office/drawing/2014/main" id="{FA8EE5A8-0F29-B219-AA5F-E0CF82A0761F}"/>
+              </a:ext>
+            </a:extLst>
+          </p:cNvPr>
+          <p:cNvPicPr>
+            <a:picLocks noChangeAspect="1"/>
+          </p:cNvPicPr>
           <p:nvPr/>
-        </p:nvSpPr>
-        <p:spPr>
-          <a:xfrm>
-            <a:off x="1556530" y="1627201"/>
-            <a:ext cx="2532802" cy="648071"/>
-          </a:xfrm>
-          <a:prstGeom prst="roundRect">
-            <a:avLst>
-              <a:gd name="adj" fmla="val 20033"/>
-            </a:avLst>
-          </a:prstGeom>
-          <a:solidFill>
-            <a:srgbClr val="0248DE"/>
-          </a:solidFill>
-          <a:ln w="6350">
-            <a:solidFill>
-              <a:srgbClr val="F39D3C"/>
-            </a:solidFill>
-          </a:ln>
-        </p:spPr>
-        <p:style>
-          <a:lnRef idx="2">
-            <a:schemeClr val="accent1">
-              <a:shade val="50000"/>
-            </a:schemeClr>
-          </a:lnRef>
-          <a:fillRef idx="1">
-            <a:schemeClr val="accent1"/>
-          </a:fillRef>
-          <a:effectRef idx="0">
-            <a:schemeClr val="accent1"/>
-          </a:effectRef>
-          <a:fontRef idx="minor">
-            <a:schemeClr val="lt1"/>
-          </a:fontRef>
-        </p:style>
-        <p:txBody>
-          <a:bodyPr rtlCol="0" anchor="ctr">
-            <a:spAutoFit/>
-          </a:bodyPr>
-          <a:lstStyle/>
-          <a:p>
-            <a:pPr algn="ctr">
-              <a:lnSpc>
-                <a:spcPct val="150000"/>
-              </a:lnSpc>
-            </a:pPr>
-            <a:r>
-              <a:rPr sz="2100" b="1" i="0">
-                <a:solidFill>
-                  <a:srgbClr val="9EDBFF"/>
-                </a:solidFill>
-                <a:latin typeface="微软雅黑"/>
-              </a:rPr>
-              <a:t>JMeter简介</a:t>
-            </a:r>
-          </a:p>
-        </p:txBody>
-      </p:sp>
-      <p:sp>
-        <p:nvSpPr>
-          <p:cNvPr id="6" name="New shape"/>
-          <p:cNvSpPr/>
-          <p:nvPr/>
-        </p:nvSpPr>
-        <p:spPr>
-          <a:xfrm>
-            <a:off x="4430015" y="2402270"/>
-            <a:ext cx="2744215" cy="1893557"/>
+        </p:nvPicPr>
+        <p:blipFill>
+          <a:blip r:embed="rId5" cstate="print">
+            <a:extLst>
+              <a:ext uri="{28A0092B-C50C-407E-A947-70E740481C1C}">
+                <a14:useLocalDpi xmlns:a14="http://schemas.microsoft.com/office/drawing/2010/main" val="0"/>
+              </a:ext>
+            </a:extLst>
+          </a:blip>
+          <a:stretch>
+            <a:fillRect/>
+          </a:stretch>
+        </p:blipFill>
+        <p:spPr>
+          <a:xfrm>
+            <a:off x="6023992" y="1632896"/>
+            <a:ext cx="5760640" cy="3592208"/>
           </a:xfrm>
           <a:prstGeom prst="rect">
             <a:avLst/>
           </a:prstGeom>
-          <a:noFill/>
-          <a:ln>
-            <a:noFill/>
-          </a:ln>
-        </p:spPr>
-        <p:style>
-          <a:lnRef idx="2">
-            <a:schemeClr val="accent1">
-              <a:shade val="50000"/>
-            </a:schemeClr>
-          </a:lnRef>
-          <a:fillRef idx="1">
-            <a:schemeClr val="accent1"/>
-          </a:fillRef>
-          <a:effectRef idx="0">
-            <a:schemeClr val="accent1"/>
-          </a:effectRef>
-          <a:fontRef idx="minor">
-            <a:schemeClr val="lt1"/>
-          </a:fontRef>
-        </p:style>
-        <p:txBody>
-          <a:bodyPr rtlCol="0" anchor="ctr">
-            <a:spAutoFit/>
-          </a:bodyPr>
-          <a:lstStyle/>
-          <a:p>
-            <a:pPr algn="l">
-              <a:lnSpc>
-                <a:spcPct val="150000"/>
-              </a:lnSpc>
-            </a:pPr>
-            <a:r>
-              <a:rPr sz="1575" b="0" i="0">
-                <a:solidFill>
-                  <a:srgbClr val="FFFFFF"/>
-                </a:solidFill>
-                <a:latin typeface="微软雅黑"/>
-              </a:rPr>
-              <a:t>JMeter具备多种功能，包括负载测试、压力测试、性能调优等。它可以生成详细的报告，帮助开发者识别系统瓶颈，从而优化系统性能。</a:t>
-            </a:r>
-          </a:p>
-        </p:txBody>
-      </p:sp>
-      <p:sp>
-        <p:nvSpPr>
-          <p:cNvPr id="7" name="New shape"/>
-          <p:cNvSpPr/>
-          <p:nvPr/>
-        </p:nvSpPr>
-        <p:spPr>
-          <a:xfrm>
-            <a:off x="4427745" y="1627201"/>
-            <a:ext cx="2532802" cy="648071"/>
-          </a:xfrm>
-          <a:prstGeom prst="roundRect">
-            <a:avLst>
-              <a:gd name="adj" fmla="val 20033"/>
-            </a:avLst>
-          </a:prstGeom>
-          <a:solidFill>
-            <a:srgbClr val="0248DE"/>
-          </a:solidFill>
-          <a:ln w="6350">
-            <a:solidFill>
-              <a:srgbClr val="F39D3C"/>
-            </a:solidFill>
-          </a:ln>
-        </p:spPr>
-        <p:style>
-          <a:lnRef idx="2">
-            <a:schemeClr val="accent1">
-              <a:shade val="50000"/>
-            </a:schemeClr>
-          </a:lnRef>
-          <a:fillRef idx="1">
-            <a:schemeClr val="accent1"/>
-          </a:fillRef>
-          <a:effectRef idx="0">
-            <a:schemeClr val="accent1"/>
-          </a:effectRef>
-          <a:fontRef idx="minor">
-            <a:schemeClr val="lt1"/>
-          </a:fontRef>
-        </p:style>
-        <p:txBody>
-          <a:bodyPr rtlCol="0" anchor="ctr">
-            <a:spAutoFit/>
-          </a:bodyPr>
-          <a:lstStyle/>
-          <a:p>
-            <a:pPr algn="ctr">
-              <a:lnSpc>
-                <a:spcPct val="150000"/>
-              </a:lnSpc>
-            </a:pPr>
-            <a:r>
-              <a:rPr sz="2100" b="1" i="0">
-                <a:solidFill>
-                  <a:srgbClr val="9EDBFF"/>
-                </a:solidFill>
-                <a:latin typeface="微软雅黑"/>
-              </a:rPr>
-              <a:t>JMeter的主要功能</a:t>
-            </a:r>
-          </a:p>
-        </p:txBody>
-      </p:sp>
-      <p:sp>
-        <p:nvSpPr>
-          <p:cNvPr id="8" name="New shape"/>
-          <p:cNvSpPr/>
-          <p:nvPr/>
-        </p:nvSpPr>
-        <p:spPr>
-          <a:xfrm>
-            <a:off x="7301229" y="2402270"/>
-            <a:ext cx="2744216" cy="2253962"/>
-          </a:xfrm>
-          <a:prstGeom prst="rect">
-            <a:avLst/>
-          </a:prstGeom>
-          <a:noFill/>
-          <a:ln>
-            <a:noFill/>
-          </a:ln>
-        </p:spPr>
-        <p:style>
-          <a:lnRef idx="2">
-            <a:schemeClr val="accent1">
-              <a:shade val="50000"/>
-            </a:schemeClr>
-          </a:lnRef>
-          <a:fillRef idx="1">
-            <a:schemeClr val="accent1"/>
-          </a:fillRef>
-          <a:effectRef idx="0">
-            <a:schemeClr val="accent1"/>
-          </a:effectRef>
-          <a:fontRef idx="minor">
-            <a:schemeClr val="lt1"/>
-          </a:fontRef>
-        </p:style>
-        <p:txBody>
-          <a:bodyPr rtlCol="0" anchor="ctr">
-            <a:spAutoFit/>
-          </a:bodyPr>
-          <a:lstStyle/>
-          <a:p>
-            <a:pPr algn="l">
-              <a:lnSpc>
-                <a:spcPct val="150000"/>
-              </a:lnSpc>
-            </a:pPr>
-            <a:r>
-              <a:rPr sz="1575" b="0" i="0">
-                <a:solidFill>
-                  <a:srgbClr val="FFFFFF"/>
-                </a:solidFill>
-                <a:latin typeface="微软雅黑"/>
-              </a:rPr>
-              <a:t>使用JMeter进行性能测试时，首先需要创建测试计划，然后添加线程组、采样器、监听器等组件。通过这些组件，可以模拟用户的实际操作，从而对系统进行压力测试。</a:t>
-            </a:r>
-          </a:p>
-        </p:txBody>
-      </p:sp>
-      <p:sp>
-        <p:nvSpPr>
-          <p:cNvPr id="9" name="New shape"/>
-          <p:cNvSpPr/>
-          <p:nvPr/>
-        </p:nvSpPr>
-        <p:spPr>
-          <a:xfrm>
-            <a:off x="7298959" y="1627201"/>
-            <a:ext cx="2532802" cy="648071"/>
-          </a:xfrm>
-          <a:prstGeom prst="roundRect">
-            <a:avLst>
-              <a:gd name="adj" fmla="val 20033"/>
-            </a:avLst>
-          </a:prstGeom>
-          <a:solidFill>
-            <a:srgbClr val="0248DE"/>
-          </a:solidFill>
-          <a:ln w="6350">
-            <a:solidFill>
-              <a:srgbClr val="F39D3C"/>
-            </a:solidFill>
-          </a:ln>
-        </p:spPr>
-        <p:style>
-          <a:lnRef idx="2">
-            <a:schemeClr val="accent1">
-              <a:shade val="50000"/>
-            </a:schemeClr>
-          </a:lnRef>
-          <a:fillRef idx="1">
-            <a:schemeClr val="accent1"/>
-          </a:fillRef>
-          <a:effectRef idx="0">
-            <a:schemeClr val="accent1"/>
-          </a:effectRef>
-          <a:fontRef idx="minor">
-            <a:schemeClr val="lt1"/>
-          </a:fontRef>
-        </p:style>
-        <p:txBody>
-          <a:bodyPr rtlCol="0" anchor="ctr">
-            <a:spAutoFit/>
-          </a:bodyPr>
-          <a:lstStyle/>
-          <a:p>
-            <a:pPr algn="ctr">
-              <a:lnSpc>
-                <a:spcPct val="150000"/>
-              </a:lnSpc>
-            </a:pPr>
-            <a:r>
-              <a:rPr sz="2100" b="1" i="0">
-                <a:solidFill>
-                  <a:srgbClr val="9EDBFF"/>
-                </a:solidFill>
-                <a:latin typeface="微软雅黑"/>
-              </a:rPr>
-              <a:t>JMeter的使用方法</a:t>
-            </a:r>
-          </a:p>
-        </p:txBody>
-      </p:sp>
+        </p:spPr>
+      </p:pic>
     </p:spTree>
+    <p:extLst>
+      <p:ext uri="{BB962C8B-B14F-4D97-AF65-F5344CB8AC3E}">
+        <p14:creationId xmlns:p14="http://schemas.microsoft.com/office/powerpoint/2010/main" val="337100060"/>
+      </p:ext>
+    </p:extLst>
   </p:cSld>
   <p:clrMapOvr>
     <a:masterClrMapping/>
